--- a/Progress Report/Progress_Report_0423.pptx
+++ b/Progress Report/Progress_Report_0423.pptx
@@ -116,6 +116,11 @@
       </a:defRPr>
     </a:lvl9pPr>
   </p:defaultTextStyle>
+  <p:extLst>
+    <p:ext uri="{EFAFB233-063F-42B5-8137-9DF3F51BA10A}">
+      <p15:sldGuideLst xmlns:p15="http://schemas.microsoft.com/office/powerpoint/2012/main"/>
+    </p:ext>
+  </p:extLst>
 </p:presentation>
 </file>
 
@@ -9325,12 +9330,30 @@
               <a:t>⇒ </a:t>
             </a:r>
             <a:r>
+              <a:rPr lang="en-US" altLang="zh-TW" sz="2400" dirty="0">
+                <a:solidFill>
+                  <a:schemeClr val="tx1"/>
+                </a:solidFill>
+                <a:latin typeface="PMingLiU (Body)"/>
+              </a:rPr>
+              <a:t>XX</a:t>
+            </a:r>
+            <a:r>
+              <a:rPr lang="zh-CN" altLang="en-US" sz="2400" dirty="0">
+                <a:solidFill>
+                  <a:schemeClr val="tx1"/>
+                </a:solidFill>
+                <a:latin typeface="PMingLiU (Body)"/>
+              </a:rPr>
+              <a:t>投資法</a:t>
+            </a:r>
+            <a:r>
               <a:rPr lang="zh-TW" altLang="en-US" sz="2400" dirty="0">
                 <a:solidFill>
                   <a:schemeClr val="tx1"/>
                 </a:solidFill>
               </a:rPr>
-              <a:t>索提诺比率 ：</a:t>
+              <a:t>：</a:t>
             </a:r>
             <a:r>
               <a:rPr lang="zh-CN" altLang="en-US" sz="2400" dirty="0">

--- a/Progress Report/Progress_Report_0423.pptx
+++ b/Progress Report/Progress_Report_0423.pptx
@@ -3697,9 +3697,10 @@
               <a:rPr lang="zh-CN" altLang="en-US" dirty="0"/>
               <a:t>個關鍵紅字</a:t>
             </a:r>
-            <a:endParaRPr lang="en-US" altLang="zh-CN" dirty="0"/>
-          </a:p>
-          <a:p>
+            <a:r>
+              <a:rPr lang="en-US" altLang="zh-CN" dirty="0"/>
+              <a:t>,</a:t>
+            </a:r>
             <a:r>
               <a:rPr lang="zh-CN" altLang="en-US" dirty="0"/>
               <a:t>我不會現在解釋</a:t>
@@ -3717,7 +3718,7 @@
             </a:r>
             <a:r>
               <a:rPr lang="zh-CN" altLang="en-US" dirty="0"/>
-              <a:t>個關鍵字來帶大家瞭解一下這次專題的進度</a:t>
+              <a:t>個關鍵字來帶大家瞭解一下這次我們專題的進度</a:t>
             </a:r>
             <a:endParaRPr lang="en-US" altLang="zh-TW" dirty="0"/>
           </a:p>
@@ -3806,6 +3807,10 @@
           <a:bodyPr/>
           <a:lstStyle/>
           <a:p>
+            <a:r>
+              <a:rPr lang="zh-CN" altLang="en-US" dirty="0"/>
+              <a:t>以上是我的報告 感謝大家</a:t>
+            </a:r>
             <a:endParaRPr lang="zh-TW" altLang="en-US" dirty="0"/>
           </a:p>
         </p:txBody>
@@ -3892,7 +3897,28 @@
           <a:p>
             <a:r>
               <a:rPr lang="zh-CN" altLang="en-US" dirty="0"/>
-              <a:t>運用公開資訊，發掘可能的關聯性，然後用量化以及質化指標，建立一個投資策略給野村的客戶。</a:t>
+              <a:t>在還沒進入主題前，我先來簡短説明一下這個題目野村要我們做的是什麽</a:t>
+            </a:r>
+            <a:endParaRPr lang="en-US" altLang="zh-CN" dirty="0"/>
+          </a:p>
+          <a:p>
+            <a:r>
+              <a:rPr lang="zh-CN" altLang="en-US" dirty="0"/>
+              <a:t>那野村原本有一個投資法叫低檔投資法，那這個低檔投資法存對於野村的客戶來説存在很多的缺點，導致績效在市場不穩定的情況下顯得不理想</a:t>
+            </a:r>
+            <a:endParaRPr lang="en-US" altLang="zh-CN" dirty="0"/>
+          </a:p>
+          <a:p>
+            <a:r>
+              <a:rPr lang="zh-CN" altLang="en-US" dirty="0"/>
+              <a:t>那透過這次的專題，野村希望我們可以運用公開資訊，發掘可能的關聯性，然後用量化以及質化指標，建立一個投資策略給野村的客戶，主要還是要提高投資報酬率</a:t>
+            </a:r>
+            <a:endParaRPr lang="en-US" altLang="zh-CN" dirty="0"/>
+          </a:p>
+          <a:p>
+            <a:r>
+              <a:rPr lang="zh-CN" altLang="en-US" dirty="0"/>
+              <a:t>那接下來我們來看第一個關鍵字，量化</a:t>
             </a:r>
             <a:endParaRPr lang="zh-TW" altLang="en-US" dirty="0"/>
           </a:p>
@@ -3978,6 +4004,46 @@
           <a:bodyPr/>
           <a:lstStyle/>
           <a:p>
+            <a:r>
+              <a:rPr lang="zh-CN" altLang="en-US" dirty="0"/>
+              <a:t>那在量化指標的部分，我們這次選擇野村的高收益債，那除了模型建立後可以回測</a:t>
+            </a:r>
+            <a:endParaRPr lang="en-US" altLang="zh-CN" dirty="0"/>
+          </a:p>
+          <a:p>
+            <a:r>
+              <a:rPr lang="zh-CN" altLang="en-US" dirty="0"/>
+              <a:t>債卷的特型</a:t>
+            </a:r>
+            <a:endParaRPr lang="en-US" altLang="zh-CN" dirty="0"/>
+          </a:p>
+          <a:p>
+            <a:r>
+              <a:rPr lang="en-US" altLang="zh-CN" dirty="0" err="1"/>
+              <a:t>Sortino</a:t>
+            </a:r>
+            <a:r>
+              <a:rPr lang="en-US" altLang="zh-CN" dirty="0"/>
+              <a:t> ration </a:t>
+            </a:r>
+            <a:r>
+              <a:rPr lang="zh-CN" altLang="en-US" dirty="0"/>
+              <a:t>進場的時機點會更好，考慮風險</a:t>
+            </a:r>
+            <a:r>
+              <a:rPr lang="en-US" altLang="zh-CN" dirty="0"/>
+              <a:t>	</a:t>
+            </a:r>
+          </a:p>
+          <a:p>
+            <a:r>
+              <a:rPr lang="en-US" altLang="zh-CN" dirty="0" err="1"/>
+              <a:t>Sherpen</a:t>
+            </a:r>
+            <a:r>
+              <a:rPr lang="en-US" altLang="zh-CN" dirty="0"/>
+              <a:t> ration </a:t>
+            </a:r>
             <a:endParaRPr lang="zh-TW" altLang="en-US" dirty="0"/>
           </a:p>
         </p:txBody>
@@ -4146,6 +4212,13 @@
           <a:bodyPr/>
           <a:lstStyle/>
           <a:p>
+            <a:r>
+              <a:rPr lang="zh-CN" altLang="en-US" dirty="0"/>
+              <a:t>第一點</a:t>
+            </a:r>
+            <a:endParaRPr lang="en-US" altLang="zh-CN"/>
+          </a:p>
+          <a:p>
             <a:endParaRPr lang="zh-TW" altLang="en-US" dirty="0"/>
           </a:p>
         </p:txBody>
@@ -4230,6 +4303,45 @@
           <a:bodyPr/>
           <a:lstStyle/>
           <a:p>
+            <a:r>
+              <a:rPr lang="zh-CN" altLang="en-US" dirty="0"/>
+              <a:t>季節，月性 同期查表 </a:t>
+            </a:r>
+            <a:r>
+              <a:rPr lang="en-US" altLang="zh-CN" dirty="0"/>
+              <a:t>min max </a:t>
+            </a:r>
+            <a:r>
+              <a:rPr lang="zh-CN" altLang="en-US" dirty="0"/>
+              <a:t>四分位數</a:t>
+            </a:r>
+            <a:endParaRPr lang="en-US" altLang="zh-CN" dirty="0"/>
+          </a:p>
+          <a:p>
+            <a:endParaRPr lang="en-US" altLang="zh-TW" dirty="0"/>
+          </a:p>
+          <a:p>
+            <a:r>
+              <a:rPr lang="zh-CN" altLang="en-US" dirty="0"/>
+              <a:t>最終我們把量化指標加上質化指標為調整，生成一個動態的投資點，那我們按照經濟的景氣循環去設計這個投資策略</a:t>
+            </a:r>
+            <a:endParaRPr lang="en-US" altLang="zh-CN" dirty="0"/>
+          </a:p>
+          <a:p>
+            <a:r>
+              <a:rPr lang="zh-CN" altLang="en-US" dirty="0"/>
+              <a:t>可能以季或月的回測結果去修正當時候的投資點（進場點）</a:t>
+            </a:r>
+            <a:endParaRPr lang="en-US" altLang="zh-TW" dirty="0"/>
+          </a:p>
+          <a:p>
+            <a:endParaRPr lang="en-US" altLang="zh-TW" dirty="0"/>
+          </a:p>
+          <a:p>
+            <a:r>
+              <a:rPr lang="zh-CN" altLang="en-US" dirty="0"/>
+              <a:t>不建議定值，可能因爲不同類型的基金觸碰的投資點</a:t>
+            </a:r>
             <a:endParaRPr lang="zh-TW" altLang="en-US" dirty="0"/>
           </a:p>
         </p:txBody>
@@ -11160,7 +11272,7 @@
                 </a:effectLst>
                 <a:latin typeface="+mn-ea"/>
               </a:rPr>
-              <a:t>量化指標 </a:t>
+              <a:t>量化指標 *</a:t>
             </a:r>
             <a:r>
               <a:rPr lang="en-US" altLang="zh-CN" sz="6000" b="1" dirty="0">
@@ -11177,7 +11289,7 @@
                 </a:effectLst>
                 <a:latin typeface="+mn-ea"/>
               </a:rPr>
-              <a:t>+ </a:t>
+              <a:t> </a:t>
             </a:r>
             <a:r>
               <a:rPr lang="zh-CN" altLang="en-US" sz="6000" b="1" dirty="0">

--- a/Progress Report/Progress_Report_0423.pptx
+++ b/Progress Report/Progress_Report_0423.pptx
@@ -10100,8 +10100,8 @@
         </p:nvSpPr>
         <p:spPr>
           <a:xfrm>
-            <a:off x="7016042" y="1781476"/>
-            <a:ext cx="4617157" cy="461665"/>
+            <a:off x="6694311" y="1781476"/>
+            <a:ext cx="5226755" cy="461665"/>
           </a:xfrm>
           <a:prstGeom prst="rect">
             <a:avLst/>
@@ -10169,7 +10169,23 @@
                   <a:schemeClr val="bg1"/>
                 </a:solidFill>
               </a:rPr>
-              <a:t>指標）</a:t>
+              <a:t>指標 </a:t>
+            </a:r>
+            <a:r>
+              <a:rPr lang="en-MY" altLang="zh-CN" sz="2400" b="1">
+                <a:solidFill>
+                  <a:schemeClr val="bg1"/>
+                </a:solidFill>
+              </a:rPr>
+              <a:t>/ TEJ</a:t>
+            </a:r>
+            <a:r>
+              <a:rPr lang="zh-CN" altLang="en-US" sz="2400" b="1" dirty="0">
+                <a:solidFill>
+                  <a:schemeClr val="bg1"/>
+                </a:solidFill>
+              </a:rPr>
+              <a:t>）</a:t>
             </a:r>
             <a:endParaRPr lang="zh-TW" altLang="en-US" sz="2400" b="1" dirty="0">
               <a:solidFill>
